--- a/DeepDiveActivePatterns.pptx
+++ b/DeepDiveActivePatterns.pptx
@@ -17626,7 +17626,7 @@
               <a:t>.LocalDateTime.</a:t>
             </a:r>
             <a:r>
-              <a:rPr lang="" altLang="en-US" sz="1400" dirty="0">
+              <a:rPr lang="en-US" altLang="en-US" sz="1400" dirty="0">
                 <a:solidFill>
                   <a:srgbClr val="657B83"/>
                 </a:solidFill>
@@ -17636,7 +17636,7 @@
               </a:rPr>
               <a:t>Date</a:t>
             </a:r>
-            <a:endParaRPr lang="" altLang="en-US" sz="1400" dirty="0">
+            <a:endParaRPr lang="en-US" altLang="en-US" sz="1400" dirty="0">
               <a:solidFill>
                 <a:srgbClr val="657B83"/>
               </a:solidFill>
@@ -17812,7 +17812,7 @@
               <a:buNone/>
             </a:pPr>
             <a:r>
-              <a:rPr lang="" altLang="en-US" sz="1400" dirty="0">
+              <a:rPr lang="en-US" altLang="en-US" sz="1400" dirty="0">
                 <a:solidFill>
                   <a:srgbClr val="859900"/>
                 </a:solidFill>
@@ -17823,7 +17823,7 @@
               <a:t>type </a:t>
             </a:r>
             <a:r>
-              <a:rPr lang="" altLang="en-US" sz="1400" dirty="0">
+              <a:rPr lang="en-US" altLang="en-US" sz="1400" dirty="0">
                 <a:solidFill>
                   <a:srgbClr val="268BD2"/>
                 </a:solidFill>
@@ -17834,7 +17834,7 @@
               <a:t>FileSystemEvents</a:t>
             </a:r>
             <a:r>
-              <a:rPr lang="" altLang="en-US" sz="1400" dirty="0">
+              <a:rPr lang="en-US" altLang="en-US" sz="1400" dirty="0">
                 <a:solidFill>
                   <a:srgbClr val="859900"/>
                 </a:solidFill>
@@ -17844,7 +17844,7 @@
               </a:rPr>
               <a:t> =</a:t>
             </a:r>
-            <a:endParaRPr lang="" altLang="en-US" sz="1400" dirty="0">
+            <a:endParaRPr lang="en-US" altLang="en-US" sz="1400" dirty="0">
               <a:solidFill>
                 <a:srgbClr val="859900"/>
               </a:solidFill>
@@ -17861,7 +17861,7 @@
               <a:buNone/>
             </a:pPr>
             <a:r>
-              <a:rPr lang="" altLang="en-US" sz="1400" dirty="0">
+              <a:rPr lang="en-US" altLang="en-US" sz="1400" dirty="0">
                 <a:solidFill>
                   <a:srgbClr val="859900"/>
                 </a:solidFill>
@@ -17872,7 +17872,7 @@
               <a:t>  | </a:t>
             </a:r>
             <a:r>
-              <a:rPr lang="" altLang="en-US" sz="1400" dirty="0">
+              <a:rPr lang="en-US" altLang="en-US" sz="1400" dirty="0">
                 <a:solidFill>
                   <a:srgbClr val="657B83"/>
                 </a:solidFill>
@@ -17883,7 +17883,7 @@
               <a:t>FilePushed </a:t>
             </a:r>
             <a:r>
-              <a:rPr lang="" altLang="en-US" sz="1400" dirty="0">
+              <a:rPr lang="en-US" altLang="en-US" sz="1400" dirty="0">
                 <a:solidFill>
                   <a:srgbClr val="859900"/>
                 </a:solidFill>
@@ -17894,7 +17894,7 @@
               <a:t>of </a:t>
             </a:r>
             <a:r>
-              <a:rPr lang="" altLang="en-US" sz="1400" dirty="0">
+              <a:rPr lang="en-US" altLang="en-US" sz="1400" dirty="0">
                 <a:solidFill>
                   <a:srgbClr val="268BD2"/>
                 </a:solidFill>
@@ -17904,7 +17904,7 @@
               </a:rPr>
               <a:t>FilePath</a:t>
             </a:r>
-            <a:endParaRPr lang="" altLang="en-US" sz="1400" dirty="0">
+            <a:endParaRPr lang="en-US" altLang="en-US" sz="1400" dirty="0">
               <a:solidFill>
                 <a:srgbClr val="859900"/>
               </a:solidFill>
@@ -17921,7 +17921,7 @@
               <a:buNone/>
             </a:pPr>
             <a:r>
-              <a:rPr lang="" altLang="en-US" sz="1400" dirty="0">
+              <a:rPr lang="en-US" altLang="en-US" sz="1400" dirty="0">
                 <a:solidFill>
                   <a:srgbClr val="859900"/>
                 </a:solidFill>
@@ -17932,7 +17932,7 @@
               <a:t>  | </a:t>
             </a:r>
             <a:r>
-              <a:rPr lang="" altLang="en-US" sz="1400" dirty="0">
+              <a:rPr lang="en-US" altLang="en-US" sz="1400" dirty="0">
                 <a:solidFill>
                   <a:srgbClr val="657B83"/>
                 </a:solidFill>
@@ -17943,7 +17943,7 @@
               <a:t>FilePopped </a:t>
             </a:r>
             <a:r>
-              <a:rPr lang="" altLang="en-US" sz="1400" dirty="0">
+              <a:rPr lang="en-US" altLang="en-US" sz="1400" dirty="0">
                 <a:solidFill>
                   <a:srgbClr val="859900"/>
                 </a:solidFill>
@@ -17954,7 +17954,7 @@
               <a:t>of </a:t>
             </a:r>
             <a:r>
-              <a:rPr lang="" altLang="en-US" sz="1400" dirty="0">
+              <a:rPr lang="en-US" altLang="en-US" sz="1400" dirty="0">
                 <a:solidFill>
                   <a:srgbClr val="268BD2"/>
                 </a:solidFill>
@@ -17964,7 +17964,7 @@
               </a:rPr>
               <a:t>FilePath</a:t>
             </a:r>
-            <a:endParaRPr lang="" altLang="en-US" sz="1400" dirty="0">
+            <a:endParaRPr lang="en-US" altLang="en-US" sz="1400" dirty="0">
               <a:solidFill>
                 <a:srgbClr val="859900"/>
               </a:solidFill>
@@ -17980,7 +17980,7 @@
               <a:buFontTx/>
               <a:buNone/>
             </a:pPr>
-            <a:endParaRPr lang="" altLang="en-US" sz="1400" dirty="0">
+            <a:endParaRPr lang="en-US" altLang="en-US" sz="1400" dirty="0">
               <a:solidFill>
                 <a:srgbClr val="859900"/>
               </a:solidFill>
@@ -17997,7 +17997,7 @@
               <a:buNone/>
             </a:pPr>
             <a:r>
-              <a:rPr lang="" altLang="en-US" sz="1400" dirty="0">
+              <a:rPr lang="en-US" altLang="en-US" sz="1400" dirty="0">
                 <a:solidFill>
                   <a:srgbClr val="859900"/>
                 </a:solidFill>
@@ -18008,7 +18008,7 @@
               <a:t>let (</a:t>
             </a:r>
             <a:r>
-              <a:rPr lang="" altLang="en-US" sz="1400" dirty="0">
+              <a:rPr lang="en-US" altLang="en-US" sz="1400" dirty="0">
                 <a:solidFill>
                   <a:srgbClr val="6C71C4"/>
                 </a:solidFill>
@@ -18019,7 +18019,7 @@
               <a:t>|FileMoved|_|</a:t>
             </a:r>
             <a:r>
-              <a:rPr lang="" altLang="en-US" sz="1400" dirty="0">
+              <a:rPr lang="en-US" altLang="en-US" sz="1400" dirty="0">
                 <a:solidFill>
                   <a:srgbClr val="859900"/>
                 </a:solidFill>
@@ -18029,7 +18029,7 @@
               </a:rPr>
               <a:t>) = function </a:t>
             </a:r>
-            <a:endParaRPr lang="" altLang="en-US" sz="1400" dirty="0">
+            <a:endParaRPr lang="en-US" altLang="en-US" sz="1400" dirty="0">
               <a:solidFill>
                 <a:srgbClr val="859900"/>
               </a:solidFill>
@@ -18046,7 +18046,7 @@
               <a:buNone/>
             </a:pPr>
             <a:r>
-              <a:rPr lang="" altLang="en-US" sz="1400" dirty="0">
+              <a:rPr lang="en-US" altLang="en-US" sz="1400" dirty="0">
                 <a:solidFill>
                   <a:srgbClr val="859900"/>
                 </a:solidFill>
@@ -18057,7 +18057,7 @@
               <a:t>  | [ </a:t>
             </a:r>
             <a:r>
-              <a:rPr lang="" altLang="en-US" sz="1400" dirty="0">
+              <a:rPr lang="en-US" altLang="en-US" sz="1400" dirty="0">
                 <a:solidFill>
                   <a:srgbClr val="657B83"/>
                 </a:solidFill>
@@ -18068,7 +18068,7 @@
               <a:t>FilePushed </a:t>
             </a:r>
             <a:r>
-              <a:rPr lang="" altLang="en-US" sz="1400" dirty="0">
+              <a:rPr lang="en-US" altLang="en-US" sz="1400" dirty="0">
                 <a:solidFill>
                   <a:srgbClr val="859900"/>
                 </a:solidFill>
@@ -18079,7 +18079,7 @@
               <a:t>(</a:t>
             </a:r>
             <a:r>
-              <a:rPr lang="" altLang="en-US" sz="1400" dirty="0">
+              <a:rPr lang="en-US" altLang="en-US" sz="1400" dirty="0">
                 <a:solidFill>
                   <a:srgbClr val="6C71C4"/>
                 </a:solidFill>
@@ -18090,7 +18090,7 @@
               <a:t>Folder </a:t>
             </a:r>
             <a:r>
-              <a:rPr lang="" altLang="en-US" sz="1400" dirty="0">
+              <a:rPr lang="en-US" altLang="en-US" sz="1400" dirty="0">
                 <a:solidFill>
                   <a:srgbClr val="657B83"/>
                 </a:solidFill>
@@ -18101,7 +18101,7 @@
               <a:t>path1</a:t>
             </a:r>
             <a:r>
-              <a:rPr lang="" altLang="en-US" sz="1400" dirty="0">
+              <a:rPr lang="en-US" altLang="en-US" sz="1400" dirty="0">
                 <a:solidFill>
                   <a:srgbClr val="859900"/>
                 </a:solidFill>
@@ -18112,7 +18112,7 @@
               <a:t>) as </a:t>
             </a:r>
             <a:r>
-              <a:rPr lang="" altLang="en-US" sz="1400" dirty="0">
+              <a:rPr lang="en-US" altLang="en-US" sz="1400" dirty="0">
                 <a:solidFill>
                   <a:srgbClr val="657B83"/>
                 </a:solidFill>
@@ -18122,7 +18122,7 @@
               </a:rPr>
               <a:t>target</a:t>
             </a:r>
-            <a:endParaRPr lang="" altLang="en-US" sz="1400" dirty="0">
+            <a:endParaRPr lang="en-US" altLang="en-US" sz="1400" dirty="0">
               <a:solidFill>
                 <a:srgbClr val="859900"/>
               </a:solidFill>
@@ -18139,7 +18139,7 @@
               <a:buNone/>
             </a:pPr>
             <a:r>
-              <a:rPr lang="" altLang="en-US" sz="1400" dirty="0">
+              <a:rPr lang="en-US" altLang="en-US" sz="1400" dirty="0">
                 <a:solidFill>
                   <a:srgbClr val="859900"/>
                 </a:solidFill>
@@ -18150,7 +18150,7 @@
               <a:t>      </a:t>
             </a:r>
             <a:r>
-              <a:rPr lang="" altLang="en-US" sz="1400" dirty="0">
+              <a:rPr lang="en-US" altLang="en-US" sz="1400" dirty="0">
                 <a:solidFill>
                   <a:srgbClr val="657B83"/>
                 </a:solidFill>
@@ -18161,7 +18161,7 @@
               <a:t>FilePopped </a:t>
             </a:r>
             <a:r>
-              <a:rPr lang="" altLang="en-US" sz="1400" dirty="0">
+              <a:rPr lang="en-US" altLang="en-US" sz="1400" dirty="0">
                 <a:solidFill>
                   <a:srgbClr val="859900"/>
                 </a:solidFill>
@@ -18172,7 +18172,7 @@
               <a:t>(</a:t>
             </a:r>
             <a:r>
-              <a:rPr lang="" altLang="en-US" sz="1400" dirty="0">
+              <a:rPr lang="en-US" altLang="en-US" sz="1400" dirty="0">
                 <a:solidFill>
                   <a:srgbClr val="6C71C4"/>
                 </a:solidFill>
@@ -18183,7 +18183,7 @@
               <a:t>Folder </a:t>
             </a:r>
             <a:r>
-              <a:rPr lang="" altLang="en-US" sz="1400" dirty="0">
+              <a:rPr lang="en-US" altLang="en-US" sz="1400" dirty="0">
                 <a:solidFill>
                   <a:srgbClr val="657B83"/>
                 </a:solidFill>
@@ -18194,7 +18194,7 @@
               <a:t>path2</a:t>
             </a:r>
             <a:r>
-              <a:rPr lang="" altLang="en-US" sz="1400" dirty="0">
+              <a:rPr lang="en-US" altLang="en-US" sz="1400" dirty="0">
                 <a:solidFill>
                   <a:srgbClr val="859900"/>
                 </a:solidFill>
@@ -18205,7 +18205,7 @@
               <a:t>) as </a:t>
             </a:r>
             <a:r>
-              <a:rPr lang="" altLang="en-US" sz="1400" dirty="0">
+              <a:rPr lang="en-US" altLang="en-US" sz="1400" dirty="0">
                 <a:solidFill>
                   <a:srgbClr val="657B83"/>
                 </a:solidFill>
@@ -18216,7 +18216,7 @@
               <a:t>source </a:t>
             </a:r>
             <a:r>
-              <a:rPr lang="" altLang="en-US" sz="1400" dirty="0">
+              <a:rPr lang="en-US" altLang="en-US" sz="1400" dirty="0">
                 <a:solidFill>
                   <a:srgbClr val="859900"/>
                 </a:solidFill>
@@ -18226,7 +18226,7 @@
               </a:rPr>
               <a:t>] </a:t>
             </a:r>
-            <a:endParaRPr lang="" altLang="en-US" sz="1400" dirty="0">
+            <a:endParaRPr lang="en-US" altLang="en-US" sz="1400" dirty="0">
               <a:solidFill>
                 <a:srgbClr val="859900"/>
               </a:solidFill>
@@ -18243,7 +18243,7 @@
               <a:buNone/>
             </a:pPr>
             <a:r>
-              <a:rPr lang="" altLang="en-US" sz="1400" dirty="0">
+              <a:rPr lang="en-US" altLang="en-US" sz="1400" dirty="0">
                 <a:solidFill>
                   <a:srgbClr val="859900"/>
                 </a:solidFill>
@@ -18254,7 +18254,7 @@
               <a:t>    when </a:t>
             </a:r>
             <a:r>
-              <a:rPr lang="" altLang="en-US" sz="1400" dirty="0">
+              <a:rPr lang="en-US" altLang="en-US" sz="1400" dirty="0">
                 <a:solidFill>
                   <a:srgbClr val="657B83"/>
                 </a:solidFill>
@@ -18265,7 +18265,7 @@
               <a:t>path1</a:t>
             </a:r>
             <a:r>
-              <a:rPr lang="" altLang="en-US" sz="1400" dirty="0">
+              <a:rPr lang="en-US" altLang="en-US" sz="1400" dirty="0">
                 <a:solidFill>
                   <a:srgbClr val="859900"/>
                 </a:solidFill>
@@ -18276,7 +18276,7 @@
               <a:t> &lt;&gt; </a:t>
             </a:r>
             <a:r>
-              <a:rPr lang="" altLang="en-US" sz="1400" dirty="0">
+              <a:rPr lang="en-US" altLang="en-US" sz="1400" dirty="0">
                 <a:solidFill>
                   <a:srgbClr val="657B83"/>
                 </a:solidFill>
@@ -18287,7 +18287,7 @@
               <a:t>path2 </a:t>
             </a:r>
             <a:r>
-              <a:rPr lang="" altLang="en-US" sz="1400" dirty="0">
+              <a:rPr lang="en-US" altLang="en-US" sz="1400" dirty="0">
                 <a:solidFill>
                   <a:srgbClr val="859900"/>
                 </a:solidFill>
@@ -18298,7 +18298,7 @@
               <a:t>-&gt; </a:t>
             </a:r>
             <a:r>
-              <a:rPr lang="" altLang="en-US" sz="1400" dirty="0">
+              <a:rPr lang="en-US" altLang="en-US" sz="1400" dirty="0">
                 <a:solidFill>
                   <a:srgbClr val="657B83"/>
                 </a:solidFill>
@@ -18309,7 +18309,7 @@
               <a:t>Some </a:t>
             </a:r>
             <a:r>
-              <a:rPr lang="" altLang="en-US" sz="1400" dirty="0">
+              <a:rPr lang="en-US" altLang="en-US" sz="1400" dirty="0">
                 <a:solidFill>
                   <a:srgbClr val="859900"/>
                 </a:solidFill>
@@ -18320,7 +18320,7 @@
               <a:t>(</a:t>
             </a:r>
             <a:r>
-              <a:rPr lang="" altLang="en-US" sz="1400" dirty="0">
+              <a:rPr lang="en-US" altLang="en-US" sz="1400" dirty="0">
                 <a:solidFill>
                   <a:srgbClr val="657B83"/>
                 </a:solidFill>
@@ -18331,7 +18331,7 @@
               <a:t>source</a:t>
             </a:r>
             <a:r>
-              <a:rPr lang="" altLang="en-US" sz="1400" dirty="0">
+              <a:rPr lang="en-US" altLang="en-US" sz="1400" dirty="0">
                 <a:solidFill>
                   <a:srgbClr val="859900"/>
                 </a:solidFill>
@@ -18342,7 +18342,7 @@
               <a:t>, </a:t>
             </a:r>
             <a:r>
-              <a:rPr lang="" altLang="en-US" sz="1400" dirty="0">
+              <a:rPr lang="en-US" altLang="en-US" sz="1400" dirty="0">
                 <a:solidFill>
                   <a:srgbClr val="657B83"/>
                 </a:solidFill>
@@ -18353,7 +18353,7 @@
               <a:t>target</a:t>
             </a:r>
             <a:r>
-              <a:rPr lang="" altLang="en-US" sz="1400" dirty="0">
+              <a:rPr lang="en-US" altLang="en-US" sz="1400" dirty="0">
                 <a:solidFill>
                   <a:srgbClr val="859900"/>
                 </a:solidFill>
@@ -18363,7 +18363,7 @@
               </a:rPr>
               <a:t>)</a:t>
             </a:r>
-            <a:endParaRPr lang="" altLang="en-US" sz="1400" dirty="0">
+            <a:endParaRPr lang="en-US" altLang="en-US" sz="1400" dirty="0">
               <a:solidFill>
                 <a:srgbClr val="859900"/>
               </a:solidFill>
@@ -18380,7 +18380,7 @@
               <a:buNone/>
             </a:pPr>
             <a:r>
-              <a:rPr lang="" altLang="en-US" sz="1400" dirty="0">
+              <a:rPr lang="en-US" altLang="en-US" sz="1400" dirty="0">
                 <a:solidFill>
                   <a:srgbClr val="859900"/>
                 </a:solidFill>
@@ -18391,7 +18391,7 @@
               <a:t>  | _ -&gt; </a:t>
             </a:r>
             <a:r>
-              <a:rPr lang="" altLang="en-US" sz="1400" dirty="0">
+              <a:rPr lang="en-US" altLang="en-US" sz="1400" dirty="0">
                 <a:solidFill>
                   <a:srgbClr val="657B83"/>
                 </a:solidFill>
@@ -18401,7 +18401,7 @@
               </a:rPr>
               <a:t>None</a:t>
             </a:r>
-            <a:endParaRPr lang="" altLang="en-US" sz="1400" dirty="0">
+            <a:endParaRPr lang="en-US" altLang="en-US" sz="1400" dirty="0">
               <a:solidFill>
                 <a:srgbClr val="859900"/>
               </a:solidFill>
@@ -18418,7 +18418,7 @@
               <a:buNone/>
             </a:pPr>
             <a:r>
-              <a:rPr lang="" altLang="en-US" sz="1400" dirty="0">
+              <a:rPr lang="en-US" altLang="en-US" sz="1400" dirty="0">
                 <a:solidFill>
                   <a:srgbClr val="859900"/>
                 </a:solidFill>
@@ -18428,7 +18428,7 @@
               </a:rPr>
               <a:t>   </a:t>
             </a:r>
-            <a:endParaRPr lang="" altLang="en-US" sz="1400" dirty="0">
+            <a:endParaRPr lang="en-US" altLang="en-US" sz="1400" dirty="0">
               <a:solidFill>
                 <a:srgbClr val="859900"/>
               </a:solidFill>
@@ -18484,7 +18484,7 @@
               <a:buFontTx/>
               <a:buNone/>
             </a:pPr>
-            <a:endParaRPr lang="" altLang="en-US" sz="1400" dirty="0">
+            <a:endParaRPr lang="en-US" altLang="en-US" sz="1400" dirty="0">
               <a:solidFill>
                 <a:srgbClr val="859900"/>
               </a:solidFill>
@@ -18501,7 +18501,7 @@
               <a:buNone/>
             </a:pPr>
             <a:r>
-              <a:rPr lang="" altLang="en-US" sz="1400" dirty="0">
+              <a:rPr lang="en-US" altLang="en-US" sz="1400" dirty="0">
                 <a:solidFill>
                   <a:srgbClr val="859900"/>
                 </a:solidFill>
@@ -18512,7 +18512,7 @@
               <a:t>match </a:t>
             </a:r>
             <a:r>
-              <a:rPr lang="" altLang="en-US" sz="1400" dirty="0">
+              <a:rPr lang="en-US" altLang="en-US" sz="1400" dirty="0">
                 <a:solidFill>
                   <a:srgbClr val="657B83"/>
                 </a:solidFill>
@@ -18523,7 +18523,7 @@
               <a:t>events </a:t>
             </a:r>
             <a:r>
-              <a:rPr lang="" altLang="en-US" sz="1400" dirty="0">
+              <a:rPr lang="en-US" altLang="en-US" sz="1400" dirty="0">
                 <a:solidFill>
                   <a:srgbClr val="859900"/>
                 </a:solidFill>
@@ -18533,7 +18533,7 @@
               </a:rPr>
               <a:t>with</a:t>
             </a:r>
-            <a:endParaRPr lang="" altLang="en-US" sz="1400" dirty="0">
+            <a:endParaRPr lang="en-US" altLang="en-US" sz="1400" dirty="0">
               <a:solidFill>
                 <a:srgbClr val="859900"/>
               </a:solidFill>
@@ -18550,7 +18550,7 @@
               <a:buNone/>
             </a:pPr>
             <a:r>
-              <a:rPr lang="" altLang="en-US" sz="1400" dirty="0">
+              <a:rPr lang="en-US" altLang="en-US" sz="1400" dirty="0">
                 <a:solidFill>
                   <a:srgbClr val="859900"/>
                 </a:solidFill>
@@ -18566,18 +18566,10 @@
                 <a:cs typeface="Fira Code" panose="020B0809050000020004" charset="0"/>
                 <a:sym typeface="+mn-ea"/>
               </a:rPr>
-              <a:t>FilePushed </a:t>
-            </a:r>
-            <a:r>
-              <a:rPr lang="" altLang="en-US" sz="1400" dirty="0">
-                <a:latin typeface="Fira Code" panose="020B0809050000020004" charset="0"/>
-                <a:cs typeface="Fira Code" panose="020B0809050000020004" charset="0"/>
-                <a:sym typeface="+mn-ea"/>
-              </a:rPr>
-              <a:t>path </a:t>
-            </a:r>
-            <a:r>
-              <a:rPr lang="" altLang="en-US" sz="1400" dirty="0">
+              <a:t>FilePushed path </a:t>
+            </a:r>
+            <a:r>
+              <a:rPr lang="en-US" altLang="en-US" sz="1400" dirty="0">
                 <a:solidFill>
                   <a:srgbClr val="859900"/>
                 </a:solidFill>
@@ -18588,7 +18580,7 @@
               <a:t>] -&gt; </a:t>
             </a:r>
             <a:r>
-              <a:rPr lang="" altLang="en-US" sz="1400" dirty="0">
+              <a:rPr lang="en-US" altLang="en-US" sz="1400" dirty="0">
                 <a:solidFill>
                   <a:srgbClr val="657B83"/>
                 </a:solidFill>
@@ -18599,7 +18591,7 @@
               <a:t>Log.debugf</a:t>
             </a:r>
             <a:r>
-              <a:rPr lang="" altLang="en-US" sz="1400" dirty="0">
+              <a:rPr lang="en-US" altLang="en-US" sz="1400" dirty="0">
                 <a:solidFill>
                   <a:srgbClr val="859900"/>
                 </a:solidFill>
@@ -18610,7 +18602,7 @@
               <a:t> "</a:t>
             </a:r>
             <a:r>
-              <a:rPr lang="" altLang="en-US" sz="1400" dirty="0">
+              <a:rPr lang="en-US" altLang="en-US" sz="1400" dirty="0">
                 <a:solidFill>
                   <a:srgbClr val="2AA198"/>
                 </a:solidFill>
@@ -18621,7 +18613,7 @@
               <a:t>Pushed: </a:t>
             </a:r>
             <a:r>
-              <a:rPr lang="" altLang="en-US" sz="1400" dirty="0">
+              <a:rPr lang="en-US" altLang="en-US" sz="1400" dirty="0">
                 <a:solidFill>
                   <a:srgbClr val="6C71C4"/>
                 </a:solidFill>
@@ -18632,7 +18624,7 @@
               <a:t>%A</a:t>
             </a:r>
             <a:r>
-              <a:rPr lang="" altLang="en-US" sz="1400" dirty="0">
+              <a:rPr lang="en-US" altLang="en-US" sz="1400" dirty="0">
                 <a:solidFill>
                   <a:srgbClr val="2AA198"/>
                 </a:solidFill>
@@ -18643,7 +18635,7 @@
               <a:t>"</a:t>
             </a:r>
             <a:r>
-              <a:rPr lang="" altLang="en-US" sz="1400" dirty="0">
+              <a:rPr lang="en-US" altLang="en-US" sz="1400" dirty="0">
                 <a:solidFill>
                   <a:srgbClr val="859900"/>
                 </a:solidFill>
@@ -18654,7 +18646,7 @@
               <a:t> </a:t>
             </a:r>
             <a:r>
-              <a:rPr lang="" altLang="en-US" sz="1400" dirty="0">
+              <a:rPr lang="en-US" altLang="en-US" sz="1400" dirty="0">
                 <a:solidFill>
                   <a:srgbClr val="657B83"/>
                 </a:solidFill>
@@ -18664,7 +18656,7 @@
               </a:rPr>
               <a:t>path</a:t>
             </a:r>
-            <a:endParaRPr lang="" altLang="en-US" sz="1400" dirty="0">
+            <a:endParaRPr lang="en-US" altLang="en-US" sz="1400" dirty="0">
               <a:solidFill>
                 <a:srgbClr val="859900"/>
               </a:solidFill>
@@ -18681,7 +18673,7 @@
               <a:buNone/>
             </a:pPr>
             <a:r>
-              <a:rPr lang="" altLang="en-US" sz="1400" dirty="0">
+              <a:rPr lang="en-US" altLang="en-US" sz="1400" dirty="0">
                 <a:solidFill>
                   <a:srgbClr val="859900"/>
                 </a:solidFill>
@@ -18697,18 +18689,10 @@
                 <a:cs typeface="Fira Code" panose="020B0809050000020004" charset="0"/>
                 <a:sym typeface="+mn-ea"/>
               </a:rPr>
-              <a:t>FilePopped </a:t>
-            </a:r>
-            <a:r>
-              <a:rPr lang="" altLang="en-US" sz="1400" dirty="0">
-                <a:latin typeface="Fira Code" panose="020B0809050000020004" charset="0"/>
-                <a:cs typeface="Fira Code" panose="020B0809050000020004" charset="0"/>
-                <a:sym typeface="+mn-ea"/>
-              </a:rPr>
-              <a:t>path </a:t>
-            </a:r>
-            <a:r>
-              <a:rPr lang="" altLang="en-US" sz="1400" dirty="0">
+              <a:t>FilePopped path </a:t>
+            </a:r>
+            <a:r>
+              <a:rPr lang="en-US" altLang="en-US" sz="1400" dirty="0">
                 <a:solidFill>
                   <a:srgbClr val="859900"/>
                 </a:solidFill>
@@ -18749,42 +18733,31 @@
                 <a:cs typeface="Fira Code" panose="020B0809050000020004" charset="0"/>
                 <a:sym typeface="+mn-ea"/>
               </a:rPr>
+              <a:t>"Popped: </a:t>
+            </a:r>
+            <a:r>
+              <a:rPr lang="en-US" altLang="en-US" sz="1400" dirty="0">
+                <a:solidFill>
+                  <a:srgbClr val="6C71C4"/>
+                </a:solidFill>
+                <a:latin typeface="Fira Code" panose="020B0809050000020004" charset="0"/>
+                <a:cs typeface="Fira Code" panose="020B0809050000020004" charset="0"/>
+                <a:sym typeface="+mn-ea"/>
+              </a:rPr>
+              <a:t>%A</a:t>
+            </a:r>
+            <a:r>
+              <a:rPr lang="en-US" altLang="en-US" sz="1400" dirty="0">
+                <a:solidFill>
+                  <a:srgbClr val="2AA198"/>
+                </a:solidFill>
+                <a:latin typeface="Fira Code" panose="020B0809050000020004" charset="0"/>
+                <a:cs typeface="Fira Code" panose="020B0809050000020004" charset="0"/>
+                <a:sym typeface="+mn-ea"/>
+              </a:rPr>
               <a:t>"</a:t>
             </a:r>
             <a:r>
-              <a:rPr lang="" altLang="en-US" sz="1400" dirty="0">
-                <a:solidFill>
-                  <a:srgbClr val="2AA198"/>
-                </a:solidFill>
-                <a:latin typeface="Fira Code" panose="020B0809050000020004" charset="0"/>
-                <a:cs typeface="Fira Code" panose="020B0809050000020004" charset="0"/>
-                <a:sym typeface="+mn-ea"/>
-              </a:rPr>
-              <a:t>Popped: </a:t>
-            </a:r>
-            <a:r>
-              <a:rPr lang="" altLang="en-US" sz="1400" dirty="0">
-                <a:solidFill>
-                  <a:srgbClr val="6C71C4"/>
-                </a:solidFill>
-                <a:latin typeface="Fira Code" panose="020B0809050000020004" charset="0"/>
-                <a:cs typeface="Fira Code" panose="020B0809050000020004" charset="0"/>
-                <a:sym typeface="+mn-ea"/>
-              </a:rPr>
-              <a:t>%A</a:t>
-            </a:r>
-            <a:r>
-              <a:rPr lang="en-US" altLang="en-US" sz="1400" dirty="0">
-                <a:solidFill>
-                  <a:srgbClr val="2AA198"/>
-                </a:solidFill>
-                <a:latin typeface="Fira Code" panose="020B0809050000020004" charset="0"/>
-                <a:cs typeface="Fira Code" panose="020B0809050000020004" charset="0"/>
-                <a:sym typeface="+mn-ea"/>
-              </a:rPr>
-              <a:t>"</a:t>
-            </a:r>
-            <a:r>
               <a:rPr lang="en-US" altLang="en-US" sz="1400" dirty="0">
                 <a:solidFill>
                   <a:srgbClr val="859900"/>
@@ -18796,7 +18769,7 @@
               <a:t> </a:t>
             </a:r>
             <a:r>
-              <a:rPr lang="" altLang="en-US" sz="1400" dirty="0">
+              <a:rPr lang="en-US" altLang="en-US" sz="1400" dirty="0">
                 <a:solidFill>
                   <a:srgbClr val="657B83"/>
                 </a:solidFill>
@@ -18806,7 +18779,7 @@
               </a:rPr>
               <a:t>path</a:t>
             </a:r>
-            <a:endParaRPr lang="" altLang="en-US" sz="1400" dirty="0">
+            <a:endParaRPr lang="en-US" altLang="en-US" sz="1400" dirty="0">
               <a:solidFill>
                 <a:srgbClr val="859900"/>
               </a:solidFill>
@@ -18823,7 +18796,7 @@
               <a:buNone/>
             </a:pPr>
             <a:r>
-              <a:rPr lang="" altLang="en-US" sz="1400" dirty="0">
+              <a:rPr lang="en-US" altLang="en-US" sz="1400" dirty="0">
                 <a:solidFill>
                   <a:srgbClr val="859900"/>
                 </a:solidFill>
@@ -18834,7 +18807,7 @@
               <a:t>| </a:t>
             </a:r>
             <a:r>
-              <a:rPr lang="" altLang="en-US" sz="1400" dirty="0">
+              <a:rPr lang="en-US" altLang="en-US" sz="1400" dirty="0">
                 <a:solidFill>
                   <a:srgbClr val="6C71C4"/>
                 </a:solidFill>
@@ -18845,7 +18818,7 @@
               <a:t>FileMoved</a:t>
             </a:r>
             <a:r>
-              <a:rPr lang="" altLang="en-US" sz="1400" dirty="0">
+              <a:rPr lang="en-US" altLang="en-US" sz="1400" dirty="0">
                 <a:solidFill>
                   <a:srgbClr val="859900"/>
                 </a:solidFill>
@@ -18856,7 +18829,7 @@
               <a:t>(</a:t>
             </a:r>
             <a:r>
-              <a:rPr lang="" altLang="en-US" sz="1400" dirty="0">
+              <a:rPr lang="en-US" altLang="en-US" sz="1400" dirty="0">
                 <a:solidFill>
                   <a:srgbClr val="657B83"/>
                 </a:solidFill>
@@ -18867,7 +18840,7 @@
               <a:t>src</a:t>
             </a:r>
             <a:r>
-              <a:rPr lang="" altLang="en-US" sz="1400" dirty="0">
+              <a:rPr lang="en-US" altLang="en-US" sz="1400" dirty="0">
                 <a:solidFill>
                   <a:srgbClr val="859900"/>
                 </a:solidFill>
@@ -18878,7 +18851,7 @@
               <a:t>, </a:t>
             </a:r>
             <a:r>
-              <a:rPr lang="" altLang="en-US" sz="1400" dirty="0">
+              <a:rPr lang="en-US" altLang="en-US" sz="1400" dirty="0">
                 <a:solidFill>
                   <a:srgbClr val="657B83"/>
                 </a:solidFill>
@@ -18889,7 +18862,7 @@
               <a:t>trg</a:t>
             </a:r>
             <a:r>
-              <a:rPr lang="" altLang="en-US" sz="1400" dirty="0">
+              <a:rPr lang="en-US" altLang="en-US" sz="1400" dirty="0">
                 <a:solidFill>
                   <a:srgbClr val="859900"/>
                 </a:solidFill>
@@ -18899,7 +18872,7 @@
               </a:rPr>
               <a:t>) -&gt; </a:t>
             </a:r>
-            <a:endParaRPr lang="" altLang="en-US" sz="1400" dirty="0">
+            <a:endParaRPr lang="en-US" altLang="en-US" sz="1400" dirty="0">
               <a:solidFill>
                 <a:srgbClr val="859900"/>
               </a:solidFill>
@@ -18916,7 +18889,7 @@
               <a:buNone/>
             </a:pPr>
             <a:r>
-              <a:rPr lang="" altLang="en-US" sz="1400" dirty="0">
+              <a:rPr lang="en-US" altLang="en-US" sz="1400" dirty="0">
                 <a:solidFill>
                   <a:srgbClr val="859900"/>
                 </a:solidFill>
@@ -18957,64 +18930,53 @@
                 <a:cs typeface="Fira Code" panose="020B0809050000020004" charset="0"/>
                 <a:sym typeface="+mn-ea"/>
               </a:rPr>
+              <a:t>"Moved: </a:t>
+            </a:r>
+            <a:r>
+              <a:rPr lang="en-US" altLang="en-US" sz="1400" dirty="0">
+                <a:solidFill>
+                  <a:srgbClr val="6C71C4"/>
+                </a:solidFill>
+                <a:latin typeface="Fira Code" panose="020B0809050000020004" charset="0"/>
+                <a:cs typeface="Fira Code" panose="020B0809050000020004" charset="0"/>
+                <a:sym typeface="+mn-ea"/>
+              </a:rPr>
+              <a:t>%A</a:t>
+            </a:r>
+            <a:r>
+              <a:rPr lang="en-US" altLang="en-US" sz="1400" dirty="0">
+                <a:solidFill>
+                  <a:srgbClr val="2AA198"/>
+                </a:solidFill>
+                <a:latin typeface="Fira Code" panose="020B0809050000020004" charset="0"/>
+                <a:cs typeface="Fira Code" panose="020B0809050000020004" charset="0"/>
+                <a:sym typeface="+mn-ea"/>
+              </a:rPr>
+              <a:t> =&gt; </a:t>
+            </a:r>
+            <a:r>
+              <a:rPr lang="en-US" altLang="en-US" sz="1400" dirty="0">
+                <a:solidFill>
+                  <a:srgbClr val="6C71C4"/>
+                </a:solidFill>
+                <a:latin typeface="Fira Code" panose="020B0809050000020004" charset="0"/>
+                <a:cs typeface="Fira Code" panose="020B0809050000020004" charset="0"/>
+                <a:sym typeface="+mn-ea"/>
+              </a:rPr>
+              <a:t>%A</a:t>
+            </a:r>
+            <a:r>
+              <a:rPr lang="en-US" altLang="en-US" sz="1400" dirty="0">
+                <a:solidFill>
+                  <a:srgbClr val="2AA198"/>
+                </a:solidFill>
+                <a:latin typeface="Fira Code" panose="020B0809050000020004" charset="0"/>
+                <a:cs typeface="Fira Code" panose="020B0809050000020004" charset="0"/>
+                <a:sym typeface="+mn-ea"/>
+              </a:rPr>
               <a:t>"</a:t>
             </a:r>
             <a:r>
-              <a:rPr lang="" altLang="en-US" sz="1400" dirty="0">
-                <a:solidFill>
-                  <a:srgbClr val="2AA198"/>
-                </a:solidFill>
-                <a:latin typeface="Fira Code" panose="020B0809050000020004" charset="0"/>
-                <a:cs typeface="Fira Code" panose="020B0809050000020004" charset="0"/>
-                <a:sym typeface="+mn-ea"/>
-              </a:rPr>
-              <a:t>Moved: </a:t>
-            </a:r>
-            <a:r>
-              <a:rPr lang="" altLang="en-US" sz="1400" dirty="0">
-                <a:solidFill>
-                  <a:srgbClr val="6C71C4"/>
-                </a:solidFill>
-                <a:latin typeface="Fira Code" panose="020B0809050000020004" charset="0"/>
-                <a:cs typeface="Fira Code" panose="020B0809050000020004" charset="0"/>
-                <a:sym typeface="+mn-ea"/>
-              </a:rPr>
-              <a:t>%A</a:t>
-            </a:r>
-            <a:r>
-              <a:rPr lang="" altLang="en-US" sz="1400" dirty="0">
-                <a:solidFill>
-                  <a:srgbClr val="2AA198"/>
-                </a:solidFill>
-                <a:latin typeface="Fira Code" panose="020B0809050000020004" charset="0"/>
-                <a:cs typeface="Fira Code" panose="020B0809050000020004" charset="0"/>
-                <a:sym typeface="+mn-ea"/>
-              </a:rPr>
-              <a:t> =&gt; </a:t>
-            </a:r>
-            <a:r>
-              <a:rPr lang="" altLang="en-US" sz="1400" dirty="0">
-                <a:solidFill>
-                  <a:srgbClr val="6C71C4"/>
-                </a:solidFill>
-                <a:latin typeface="Fira Code" panose="020B0809050000020004" charset="0"/>
-                <a:cs typeface="Fira Code" panose="020B0809050000020004" charset="0"/>
-                <a:sym typeface="+mn-ea"/>
-              </a:rPr>
-              <a:t>%A</a:t>
-            </a:r>
-            <a:r>
-              <a:rPr lang="en-US" altLang="en-US" sz="1400" dirty="0">
-                <a:solidFill>
-                  <a:srgbClr val="2AA198"/>
-                </a:solidFill>
-                <a:latin typeface="Fira Code" panose="020B0809050000020004" charset="0"/>
-                <a:cs typeface="Fira Code" panose="020B0809050000020004" charset="0"/>
-                <a:sym typeface="+mn-ea"/>
-              </a:rPr>
-              <a:t>"</a:t>
-            </a:r>
-            <a:r>
               <a:rPr lang="en-US" altLang="en-US" sz="1400" dirty="0">
                 <a:solidFill>
                   <a:srgbClr val="859900"/>
@@ -19026,7 +18988,7 @@
               <a:t> </a:t>
             </a:r>
             <a:r>
-              <a:rPr lang="" altLang="en-US" sz="1400" dirty="0">
+              <a:rPr lang="en-US" altLang="en-US" sz="1400" dirty="0">
                 <a:solidFill>
                   <a:srgbClr val="657B83"/>
                 </a:solidFill>
@@ -19036,7 +18998,7 @@
               </a:rPr>
               <a:t>src trg</a:t>
             </a:r>
-            <a:endParaRPr lang="" altLang="en-US" sz="1400" dirty="0">
+            <a:endParaRPr lang="en-US" altLang="en-US" sz="1400" dirty="0">
               <a:solidFill>
                 <a:srgbClr val="657B83"/>
               </a:solidFill>
@@ -19052,7 +19014,7 @@
               <a:buFontTx/>
               <a:buNone/>
             </a:pPr>
-            <a:endParaRPr lang="" altLang="en-US" sz="1400" i="1" dirty="0">
+            <a:endParaRPr lang="en-US" altLang="en-US" sz="1400" i="1" dirty="0">
               <a:solidFill>
                 <a:srgbClr val="93A1A1"/>
               </a:solidFill>
@@ -19775,7 +19737,7 @@
               <a:buNone/>
             </a:pPr>
             <a:r>
-              <a:rPr lang="" altLang="en-US" sz="1400" i="1" dirty="0">
+              <a:rPr lang="en-US" altLang="en-US" sz="1400" i="1" dirty="0">
                 <a:solidFill>
                   <a:srgbClr val="93A1A1"/>
                 </a:solidFill>
@@ -19785,7 +19747,7 @@
               </a:rPr>
               <a:t>// ... elsewhere ...</a:t>
             </a:r>
-            <a:endParaRPr lang="" altLang="en-US" sz="1400" i="1" dirty="0">
+            <a:endParaRPr lang="en-US" altLang="en-US" sz="1400" i="1" dirty="0">
               <a:solidFill>
                 <a:srgbClr val="93A1A1"/>
               </a:solidFill>
